--- a/12-budget-aggregation/slides.pptx
+++ b/12-budget-aggregation/slides.pptx
@@ -133,6 +133,11 @@
       </a:defRPr>
     </a:lvl9pPr>
   </p:defaultTextStyle>
+  <p:extLst>
+    <p:ext uri="{EFAFB233-063F-42B5-8137-9DF3F51BA10A}">
+      <p15:sldGuideLst xmlns:p15="http://schemas.microsoft.com/office/powerpoint/2012/main"/>
+    </p:ext>
+  </p:extLst>
 </p:presentation>
 </file>
 
@@ -8732,7 +8737,7 @@
           <a:p>
             <a:fld id="{98742427-F07F-4004-869E-31B27D62AE65}" type="datetimeFigureOut">
               <a:rPr lang="he-IL" smtClean="0"/>
-              <a:t>י"ח/סיון/תשפ"ה</a:t>
+              <a:t>י"ט/סיון/תשפ"ה</a:t>
             </a:fld>
             <a:endParaRPr lang="he-IL"/>
           </a:p>
@@ -8931,7 +8936,7 @@
           <a:p>
             <a:fld id="{98742427-F07F-4004-869E-31B27D62AE65}" type="datetimeFigureOut">
               <a:rPr lang="he-IL" smtClean="0"/>
-              <a:t>י"ח/סיון/תשפ"ה</a:t>
+              <a:t>י"ט/סיון/תשפ"ה</a:t>
             </a:fld>
             <a:endParaRPr lang="he-IL"/>
           </a:p>
@@ -9206,7 +9211,7 @@
           <a:p>
             <a:fld id="{98742427-F07F-4004-869E-31B27D62AE65}" type="datetimeFigureOut">
               <a:rPr lang="he-IL" smtClean="0"/>
-              <a:t>י"ח/סיון/תשפ"ה</a:t>
+              <a:t>י"ט/סיון/תשפ"ה</a:t>
             </a:fld>
             <a:endParaRPr lang="he-IL"/>
           </a:p>
@@ -9473,7 +9478,7 @@
           <a:p>
             <a:fld id="{98742427-F07F-4004-869E-31B27D62AE65}" type="datetimeFigureOut">
               <a:rPr lang="he-IL" smtClean="0"/>
-              <a:t>י"ח/סיון/תשפ"ה</a:t>
+              <a:t>י"ט/סיון/תשפ"ה</a:t>
             </a:fld>
             <a:endParaRPr lang="he-IL"/>
           </a:p>
@@ -9887,7 +9892,7 @@
           <a:p>
             <a:fld id="{98742427-F07F-4004-869E-31B27D62AE65}" type="datetimeFigureOut">
               <a:rPr lang="he-IL" smtClean="0"/>
-              <a:t>י"ח/סיון/תשפ"ה</a:t>
+              <a:t>י"ט/סיון/תשפ"ה</a:t>
             </a:fld>
             <a:endParaRPr lang="he-IL"/>
           </a:p>
@@ -10028,7 +10033,7 @@
           <a:p>
             <a:fld id="{98742427-F07F-4004-869E-31B27D62AE65}" type="datetimeFigureOut">
               <a:rPr lang="he-IL" smtClean="0"/>
-              <a:t>י"ח/סיון/תשפ"ה</a:t>
+              <a:t>י"ט/סיון/תשפ"ה</a:t>
             </a:fld>
             <a:endParaRPr lang="he-IL"/>
           </a:p>
@@ -10403,7 +10408,7 @@
           <a:p>
             <a:fld id="{98742427-F07F-4004-869E-31B27D62AE65}" type="datetimeFigureOut">
               <a:rPr lang="he-IL" smtClean="0"/>
-              <a:t>י"ח/סיון/תשפ"ה</a:t>
+              <a:t>י"ט/סיון/תשפ"ה</a:t>
             </a:fld>
             <a:endParaRPr lang="he-IL"/>
           </a:p>
@@ -10715,7 +10720,7 @@
           <a:p>
             <a:fld id="{98742427-F07F-4004-869E-31B27D62AE65}" type="datetimeFigureOut">
               <a:rPr lang="he-IL" smtClean="0"/>
-              <a:t>י"ח/סיון/תשפ"ה</a:t>
+              <a:t>י"ט/סיון/תשפ"ה</a:t>
             </a:fld>
             <a:endParaRPr lang="he-IL"/>
           </a:p>
@@ -11003,7 +11008,7 @@
           <a:p>
             <a:fld id="{98742427-F07F-4004-869E-31B27D62AE65}" type="datetimeFigureOut">
               <a:rPr lang="he-IL" smtClean="0"/>
-              <a:t>י"ח/סיון/תשפ"ה</a:t>
+              <a:t>י"ט/סיון/תשפ"ה</a:t>
             </a:fld>
             <a:endParaRPr lang="he-IL"/>
           </a:p>
@@ -11202,7 +11207,7 @@
           <a:p>
             <a:fld id="{98742427-F07F-4004-869E-31B27D62AE65}" type="datetimeFigureOut">
               <a:rPr lang="he-IL" smtClean="0"/>
-              <a:t>י"ח/סיון/תשפ"ה</a:t>
+              <a:t>י"ט/סיון/תשפ"ה</a:t>
             </a:fld>
             <a:endParaRPr lang="he-IL"/>
           </a:p>
@@ -11411,7 +11416,7 @@
           <a:p>
             <a:fld id="{98742427-F07F-4004-869E-31B27D62AE65}" type="datetimeFigureOut">
               <a:rPr lang="he-IL" smtClean="0"/>
-              <a:t>י"ח/סיון/תשפ"ה</a:t>
+              <a:t>י"ט/סיון/תשפ"ה</a:t>
             </a:fld>
             <a:endParaRPr lang="he-IL"/>
           </a:p>
@@ -16627,7 +16632,7 @@
           <a:p>
             <a:fld id="{98742427-F07F-4004-869E-31B27D62AE65}" type="datetimeFigureOut">
               <a:rPr lang="he-IL" smtClean="0"/>
-              <a:t>י"ח/סיון/תשפ"ה</a:t>
+              <a:t>י"ט/סיון/תשפ"ה</a:t>
             </a:fld>
             <a:endParaRPr lang="he-IL"/>
           </a:p>
@@ -19806,7 +19811,7 @@
                 <a:ea typeface="Liberation Serif" pitchFamily="18"/>
                 <a:cs typeface="Liberation Sans" pitchFamily="34"/>
               </a:rPr>
-              <a:t>k ≤ n-1</a:t>
+              <a:t>k &lt; n</a:t>
             </a:r>
             <a:r>
               <a:rPr lang="he-IL" sz="4000" b="0" i="0" u="none" strike="noStrike" kern="1200" cap="none">
@@ -20711,7 +20716,7 @@
                 <a:ea typeface="Noto Sans CJK SC Regular" pitchFamily="2"/>
                 <a:cs typeface="Liberation Sans" pitchFamily="34"/>
               </a:rPr>
-              <a:t>k</a:t>
+              <a:t>z</a:t>
             </a:r>
             <a:r>
               <a:rPr lang="he-IL" sz="4000" b="0" i="0" u="none" strike="noStrike" kern="1200" cap="none">
@@ -20834,7 +20839,7 @@
                 <a:ea typeface="Noto Sans CJK SC Regular" pitchFamily="2"/>
                 <a:cs typeface="Liberation Sans" pitchFamily="34"/>
               </a:rPr>
-              <a:t>k</a:t>
+              <a:t>z</a:t>
             </a:r>
             <a:r>
               <a:rPr lang="he-IL" sz="4000" b="0" i="0" u="none" strike="noStrike" kern="1200" cap="none">
@@ -20946,7 +20951,7 @@
                 <a:ea typeface="Noto Sans CJK SC Regular" pitchFamily="2"/>
                 <a:cs typeface="Liberation Sans" pitchFamily="34"/>
               </a:rPr>
-              <a:t>k</a:t>
+              <a:t>z</a:t>
             </a:r>
             <a:r>
               <a:rPr lang="he-IL" sz="4000" b="0" i="0" u="none" strike="noStrike" kern="1200" cap="none">
@@ -21016,7 +21021,7 @@
                 <a:ea typeface="Noto Sans CJK SC Regular" pitchFamily="2"/>
                 <a:cs typeface="Liberation Sans" pitchFamily="34"/>
               </a:rPr>
-              <a:t>k</a:t>
+              <a:t>z</a:t>
             </a:r>
             <a:r>
               <a:rPr lang="en-US" sz="4000" b="0" i="0" u="none" strike="noStrike" kern="1200" cap="none">
@@ -26807,7 +26812,7 @@
                 <a:ea typeface="Noto Sans CJK SC Regular" pitchFamily="2"/>
                 <a:cs typeface="Liberation Sans" pitchFamily="34"/>
               </a:rPr>
-              <a:t>k</a:t>
+              <a:t>z</a:t>
             </a:r>
             <a:r>
               <a:rPr lang="en-US" sz="3600" b="0" i="0" u="none" strike="noStrike" kern="1200" cap="none" baseline="-8000">
@@ -26958,7 +26963,7 @@
                 <a:ea typeface="Noto Sans CJK SC Regular" pitchFamily="2"/>
                 <a:cs typeface="Liberation Sans" pitchFamily="34"/>
               </a:rPr>
-              <a:t>n-k</a:t>
+              <a:t>n-z</a:t>
             </a:r>
             <a:r>
               <a:rPr lang="en-US" sz="3600" b="0" i="0" u="none" strike="noStrike" kern="1200" cap="none" baseline="-8000">
@@ -27243,7 +27248,7 @@
                 <a:ea typeface="Noto Sans CJK SC Regular" pitchFamily="2"/>
                 <a:cs typeface="Liberation Sans" pitchFamily="34"/>
               </a:rPr>
-              <a:t>k</a:t>
+              <a:t>z</a:t>
             </a:r>
             <a:r>
               <a:rPr lang="en-US" sz="3600" b="0" i="0" u="none" strike="noStrike" kern="1200" cap="none" baseline="-8000">
@@ -27313,7 +27318,7 @@
                 <a:ea typeface="Noto Sans CJK SC Regular" pitchFamily="2"/>
                 <a:cs typeface="Liberation Sans" pitchFamily="34"/>
               </a:rPr>
-              <a:t>kj</a:t>
+              <a:t>zj</a:t>
             </a:r>
             <a:r>
               <a:rPr lang="en-US" sz="3600" b="0" i="0" u="none" strike="noStrike" kern="1200" cap="none">
@@ -27341,7 +27346,7 @@
                 <a:ea typeface="Noto Sans CJK SC Regular" pitchFamily="2"/>
                 <a:cs typeface="Liberation Sans" pitchFamily="34"/>
               </a:rPr>
-              <a:t>C*k</a:t>
+              <a:t>C*z</a:t>
             </a:r>
             <a:r>
               <a:rPr lang="en-US" sz="3600" b="1" i="0" u="none" strike="noStrike" kern="1200" cap="none" baseline="-8000">
@@ -29052,8 +29057,6 @@
                 <a:spcPts val="0"/>
               </a:spcAft>
               <a:buSzPct val="45000"/>
-              <a:buFont typeface="StarSymbol"/>
-              <a:buChar char="●"/>
               <a:tabLst/>
             </a:pPr>
             <a:r>
@@ -29124,13 +29127,10 @@
                 <a:ea typeface="Noto Sans CJK SC Regular" pitchFamily="2"/>
                 <a:cs typeface="Liberation Sans" pitchFamily="34"/>
               </a:rPr>
-              <a:t> הפרש</a:t>
-            </a:r>
-            <a:r>
-              <a:rPr lang="he-IL" sz="4000" b="0" i="0" u="none" strike="noStrike" kern="1200" cap="none">
-                <a:ln>
-                  <a:noFill/>
-                </a:ln>
+              <a:t> </a:t>
+            </a:r>
+            <a:r>
+              <a:rPr lang="he-IL" sz="4000">
                 <a:solidFill>
                   <a:srgbClr val="5983B0"/>
                 </a:solidFill>
@@ -29138,47 +29138,29 @@
                 <a:ea typeface="Noto Sans CJK SC Regular" pitchFamily="2"/>
                 <a:cs typeface="Liberation Sans" pitchFamily="34"/>
               </a:rPr>
-              <a:t> 24.</a:t>
-            </a:r>
-            <a:endParaRPr lang="en-US" sz="4000" b="0" i="0" u="none" strike="noStrike" kern="1200" cap="none">
-              <a:ln>
-                <a:noFill/>
-              </a:ln>
-              <a:solidFill>
-                <a:srgbClr val="5983B0"/>
-              </a:solidFill>
-              <a:latin typeface="Liberation Sans" pitchFamily="34"/>
-              <a:ea typeface="Noto Sans CJK SC Regular" pitchFamily="2"/>
-              <a:cs typeface="Liberation Sans" pitchFamily="34"/>
-            </a:endParaRPr>
-          </a:p>
-          <a:p>
-            <a:pPr marL="0" marR="0" lvl="0" indent="0" algn="r" rtl="1" hangingPunct="0">
-              <a:lnSpc>
-                <a:spcPct val="100000"/>
-              </a:lnSpc>
-              <a:spcBef>
-                <a:spcPts val="0"/>
-              </a:spcBef>
-              <a:spcAft>
-                <a:spcPts val="0"/>
-              </a:spcAft>
-              <a:buNone/>
-              <a:tabLst/>
-            </a:pPr>
-            <a:r>
-              <a:rPr lang="he-IL" sz="4000" b="0" i="0" u="none" strike="noStrike" kern="1200" cap="none">
-                <a:ln>
-                  <a:noFill/>
-                </a:ln>
-                <a:solidFill>
-                  <a:srgbClr val="069A2E"/>
-                </a:solidFill>
-                <a:latin typeface="Liberation Sans" pitchFamily="34"/>
-                <a:ea typeface="Noto Sans CJK SC Regular" pitchFamily="2"/>
-                <a:cs typeface="Liberation Sans" pitchFamily="34"/>
-              </a:rPr>
-              <a:t>יש שיפור פארטו:</a:t>
+              <a:t> תועלת </a:t>
+            </a:r>
+            <a:r>
+              <a:rPr lang="en-US" sz="4000">
+                <a:solidFill>
+                  <a:srgbClr val="5983B0"/>
+                </a:solidFill>
+                <a:latin typeface="Liberation Sans" pitchFamily="34"/>
+                <a:ea typeface="Noto Sans CJK SC Regular" pitchFamily="2"/>
+                <a:cs typeface="Liberation Sans" pitchFamily="34"/>
+              </a:rPr>
+              <a:t>-24</a:t>
+            </a:r>
+            <a:r>
+              <a:rPr lang="he-IL" sz="4000">
+                <a:solidFill>
+                  <a:srgbClr val="5983B0"/>
+                </a:solidFill>
+                <a:latin typeface="Liberation Sans" pitchFamily="34"/>
+                <a:ea typeface="Noto Sans CJK SC Regular" pitchFamily="2"/>
+                <a:cs typeface="Liberation Sans" pitchFamily="34"/>
+              </a:rPr>
+              <a:t>.</a:t>
             </a:r>
           </a:p>
           <a:p>
@@ -29193,11 +29175,38 @@
                 <a:spcPts val="0"/>
               </a:spcAft>
               <a:buSzPct val="45000"/>
-              <a:buFont typeface="StarSymbol"/>
-              <a:buChar char="●"/>
               <a:tabLst/>
             </a:pPr>
             <a:r>
+              <a:rPr lang="he-IL" sz="4000" b="0" i="0" u="none" strike="noStrike" kern="1200" cap="none">
+                <a:ln>
+                  <a:noFill/>
+                </a:ln>
+                <a:solidFill>
+                  <a:srgbClr val="069A2E"/>
+                </a:solidFill>
+                <a:latin typeface="Liberation Sans" pitchFamily="34"/>
+                <a:ea typeface="Noto Sans CJK SC Regular" pitchFamily="2"/>
+                <a:cs typeface="Liberation Sans" pitchFamily="34"/>
+              </a:rPr>
+              <a:t>יש שיפור פארטו:</a:t>
+            </a:r>
+          </a:p>
+          <a:p>
+            <a:pPr marL="0" marR="0" lvl="0" indent="0" algn="r" rtl="1" hangingPunct="0">
+              <a:lnSpc>
+                <a:spcPct val="100000"/>
+              </a:lnSpc>
+              <a:spcBef>
+                <a:spcPts val="0"/>
+              </a:spcBef>
+              <a:spcAft>
+                <a:spcPts val="0"/>
+              </a:spcAft>
+              <a:buSzPct val="45000"/>
+              <a:tabLst/>
+            </a:pPr>
+            <a:r>
               <a:rPr lang="en-US" sz="4000" b="0" i="0" u="none" strike="noStrike" kern="1200" cap="none">
                 <a:ln>
                   <a:noFill/>
@@ -29254,10 +29263,7 @@
               <a:t> 30, </a:t>
             </a:r>
             <a:r>
-              <a:rPr lang="en-US" sz="4000" b="0" i="0" u="none" strike="noStrike" kern="1200" cap="none">
-                <a:ln>
-                  <a:noFill/>
-                </a:ln>
+              <a:rPr lang="he-IL" sz="4000">
                 <a:solidFill>
                   <a:srgbClr val="069A2E"/>
                 </a:solidFill>
@@ -29265,13 +29271,10 @@
                 <a:ea typeface="Noto Sans CJK SC Regular" pitchFamily="2"/>
                 <a:cs typeface="Liberation Sans" pitchFamily="34"/>
               </a:rPr>
-              <a:t>הפרש</a:t>
-            </a:r>
-            <a:r>
-              <a:rPr lang="he-IL" sz="4000" b="0" i="0" u="none" strike="noStrike" kern="1200" cap="none">
-                <a:ln>
-                  <a:noFill/>
-                </a:ln>
+              <a:t>תועלת </a:t>
+            </a:r>
+            <a:r>
+              <a:rPr lang="en-US" sz="4000">
                 <a:solidFill>
                   <a:srgbClr val="069A2E"/>
                 </a:solidFill>
@@ -29279,7 +29282,18 @@
                 <a:ea typeface="Noto Sans CJK SC Regular" pitchFamily="2"/>
                 <a:cs typeface="Liberation Sans" pitchFamily="34"/>
               </a:rPr>
-              <a:t> 20.</a:t>
+              <a:t>-20</a:t>
+            </a:r>
+            <a:r>
+              <a:rPr lang="he-IL" sz="4000">
+                <a:solidFill>
+                  <a:srgbClr val="069A2E"/>
+                </a:solidFill>
+                <a:latin typeface="Liberation Sans" pitchFamily="34"/>
+                <a:ea typeface="Noto Sans CJK SC Regular" pitchFamily="2"/>
+                <a:cs typeface="Liberation Sans" pitchFamily="34"/>
+              </a:rPr>
+              <a:t>.</a:t>
             </a:r>
             <a:endParaRPr lang="en-US" sz="4000" b="0" i="0" u="none" strike="noStrike" kern="1200" cap="none">
               <a:ln>
@@ -29331,529 +29345,6 @@
   <p:clrMapOvr>
     <a:masterClrMapping/>
   </p:clrMapOvr>
-  <p:timing>
-    <p:tnLst>
-      <p:par>
-        <p:cTn id="1" dur="indefinite" restart="never" nodeType="tmRoot">
-          <p:childTnLst>
-            <p:seq concurrent="1" nextAc="seek">
-              <p:cTn id="2" dur="indefinite" nodeType="mainSeq">
-                <p:childTnLst>
-                  <p:par>
-                    <p:cTn id="3" fill="hold">
-                      <p:stCondLst>
-                        <p:cond delay="indefinite"/>
-                      </p:stCondLst>
-                      <p:childTnLst>
-                        <p:par>
-                          <p:cTn id="4" fill="hold">
-                            <p:stCondLst>
-                              <p:cond delay="0"/>
-                            </p:stCondLst>
-                            <p:childTnLst>
-                              <p:par>
-                                <p:cTn id="5" presetClass="entr" fill="hold" grpId="1" nodeType="clickEffect">
-                                  <p:stCondLst>
-                                    <p:cond delay="0"/>
-                                  </p:stCondLst>
-                                  <p:childTnLst>
-                                    <p:set>
-                                      <p:cBhvr>
-                                        <p:cTn id="6" dur="1" fill="hold">
-                                          <p:stCondLst>
-                                            <p:cond delay="0"/>
-                                          </p:stCondLst>
-                                        </p:cTn>
-                                        <p:tgtEl>
-                                          <p:spTgt spid="4">
-                                            <p:txEl>
-                                              <p:pRg st="0" end="0"/>
-                                            </p:txEl>
-                                          </p:spTgt>
-                                        </p:tgtEl>
-                                        <p:attrNameLst>
-                                          <p:attrName>style.visibility</p:attrName>
-                                        </p:attrNameLst>
-                                      </p:cBhvr>
-                                      <p:to>
-                                        <p:strVal val="visible"/>
-                                      </p:to>
-                                    </p:set>
-                                  </p:childTnLst>
-                                </p:cTn>
-                              </p:par>
-                            </p:childTnLst>
-                          </p:cTn>
-                        </p:par>
-                      </p:childTnLst>
-                    </p:cTn>
-                  </p:par>
-                  <p:par>
-                    <p:cTn id="7" fill="hold">
-                      <p:stCondLst>
-                        <p:cond delay="indefinite"/>
-                      </p:stCondLst>
-                      <p:childTnLst>
-                        <p:par>
-                          <p:cTn id="8" fill="hold">
-                            <p:stCondLst>
-                              <p:cond delay="0"/>
-                            </p:stCondLst>
-                            <p:childTnLst>
-                              <p:par>
-                                <p:cTn id="9" presetClass="entr" fill="hold" grpId="1" nodeType="clickEffect">
-                                  <p:stCondLst>
-                                    <p:cond delay="0"/>
-                                  </p:stCondLst>
-                                  <p:childTnLst>
-                                    <p:set>
-                                      <p:cBhvr>
-                                        <p:cTn id="10" dur="1" fill="hold">
-                                          <p:stCondLst>
-                                            <p:cond delay="0"/>
-                                          </p:stCondLst>
-                                        </p:cTn>
-                                        <p:tgtEl>
-                                          <p:spTgt spid="4">
-                                            <p:txEl>
-                                              <p:pRg st="1" end="1"/>
-                                            </p:txEl>
-                                          </p:spTgt>
-                                        </p:tgtEl>
-                                        <p:attrNameLst>
-                                          <p:attrName>style.visibility</p:attrName>
-                                        </p:attrNameLst>
-                                      </p:cBhvr>
-                                      <p:to>
-                                        <p:strVal val="visible"/>
-                                      </p:to>
-                                    </p:set>
-                                  </p:childTnLst>
-                                </p:cTn>
-                              </p:par>
-                            </p:childTnLst>
-                          </p:cTn>
-                        </p:par>
-                      </p:childTnLst>
-                    </p:cTn>
-                  </p:par>
-                  <p:par>
-                    <p:cTn id="11" fill="hold">
-                      <p:stCondLst>
-                        <p:cond delay="indefinite"/>
-                      </p:stCondLst>
-                      <p:childTnLst>
-                        <p:par>
-                          <p:cTn id="12" fill="hold">
-                            <p:stCondLst>
-                              <p:cond delay="0"/>
-                            </p:stCondLst>
-                            <p:childTnLst>
-                              <p:par>
-                                <p:cTn id="13" presetClass="entr" fill="hold" grpId="1" nodeType="clickEffect">
-                                  <p:stCondLst>
-                                    <p:cond delay="0"/>
-                                  </p:stCondLst>
-                                  <p:childTnLst>
-                                    <p:set>
-                                      <p:cBhvr>
-                                        <p:cTn id="14" dur="1" fill="hold">
-                                          <p:stCondLst>
-                                            <p:cond delay="0"/>
-                                          </p:stCondLst>
-                                        </p:cTn>
-                                        <p:tgtEl>
-                                          <p:spTgt spid="4">
-                                            <p:txEl>
-                                              <p:pRg st="2" end="2"/>
-                                            </p:txEl>
-                                          </p:spTgt>
-                                        </p:tgtEl>
-                                        <p:attrNameLst>
-                                          <p:attrName>style.visibility</p:attrName>
-                                        </p:attrNameLst>
-                                      </p:cBhvr>
-                                      <p:to>
-                                        <p:strVal val="visible"/>
-                                      </p:to>
-                                    </p:set>
-                                  </p:childTnLst>
-                                </p:cTn>
-                              </p:par>
-                            </p:childTnLst>
-                          </p:cTn>
-                        </p:par>
-                      </p:childTnLst>
-                    </p:cTn>
-                  </p:par>
-                  <p:par>
-                    <p:cTn id="15" fill="hold">
-                      <p:stCondLst>
-                        <p:cond delay="indefinite"/>
-                      </p:stCondLst>
-                      <p:childTnLst>
-                        <p:par>
-                          <p:cTn id="16" fill="hold">
-                            <p:stCondLst>
-                              <p:cond delay="0"/>
-                            </p:stCondLst>
-                            <p:childTnLst>
-                              <p:par>
-                                <p:cTn id="17" presetClass="entr" fill="hold" grpId="1" nodeType="clickEffect">
-                                  <p:stCondLst>
-                                    <p:cond delay="0"/>
-                                  </p:stCondLst>
-                                  <p:childTnLst>
-                                    <p:set>
-                                      <p:cBhvr>
-                                        <p:cTn id="18" dur="1" fill="hold">
-                                          <p:stCondLst>
-                                            <p:cond delay="0"/>
-                                          </p:stCondLst>
-                                        </p:cTn>
-                                        <p:tgtEl>
-                                          <p:spTgt spid="4">
-                                            <p:txEl>
-                                              <p:pRg st="3" end="3"/>
-                                            </p:txEl>
-                                          </p:spTgt>
-                                        </p:tgtEl>
-                                        <p:attrNameLst>
-                                          <p:attrName>style.visibility</p:attrName>
-                                        </p:attrNameLst>
-                                      </p:cBhvr>
-                                      <p:to>
-                                        <p:strVal val="visible"/>
-                                      </p:to>
-                                    </p:set>
-                                  </p:childTnLst>
-                                </p:cTn>
-                              </p:par>
-                            </p:childTnLst>
-                          </p:cTn>
-                        </p:par>
-                      </p:childTnLst>
-                    </p:cTn>
-                  </p:par>
-                  <p:par>
-                    <p:cTn id="19" fill="hold">
-                      <p:stCondLst>
-                        <p:cond delay="indefinite"/>
-                      </p:stCondLst>
-                      <p:childTnLst>
-                        <p:par>
-                          <p:cTn id="20" fill="hold">
-                            <p:stCondLst>
-                              <p:cond delay="0"/>
-                            </p:stCondLst>
-                            <p:childTnLst>
-                              <p:par>
-                                <p:cTn id="21" presetClass="entr" fill="hold" grpId="1" nodeType="clickEffect">
-                                  <p:stCondLst>
-                                    <p:cond delay="0"/>
-                                  </p:stCondLst>
-                                  <p:childTnLst>
-                                    <p:set>
-                                      <p:cBhvr>
-                                        <p:cTn id="22" dur="1" fill="hold">
-                                          <p:stCondLst>
-                                            <p:cond delay="0"/>
-                                          </p:stCondLst>
-                                        </p:cTn>
-                                        <p:tgtEl>
-                                          <p:spTgt spid="4">
-                                            <p:txEl>
-                                              <p:pRg st="4" end="4"/>
-                                            </p:txEl>
-                                          </p:spTgt>
-                                        </p:tgtEl>
-                                        <p:attrNameLst>
-                                          <p:attrName>style.visibility</p:attrName>
-                                        </p:attrNameLst>
-                                      </p:cBhvr>
-                                      <p:to>
-                                        <p:strVal val="visible"/>
-                                      </p:to>
-                                    </p:set>
-                                  </p:childTnLst>
-                                </p:cTn>
-                              </p:par>
-                            </p:childTnLst>
-                          </p:cTn>
-                        </p:par>
-                      </p:childTnLst>
-                    </p:cTn>
-                  </p:par>
-                  <p:par>
-                    <p:cTn id="23" fill="hold">
-                      <p:stCondLst>
-                        <p:cond delay="indefinite"/>
-                      </p:stCondLst>
-                      <p:childTnLst>
-                        <p:par>
-                          <p:cTn id="24" fill="hold">
-                            <p:stCondLst>
-                              <p:cond delay="0"/>
-                            </p:stCondLst>
-                            <p:childTnLst>
-                              <p:par>
-                                <p:cTn id="25" presetClass="entr" fill="hold" grpId="1" nodeType="clickEffect">
-                                  <p:stCondLst>
-                                    <p:cond delay="0"/>
-                                  </p:stCondLst>
-                                  <p:childTnLst>
-                                    <p:set>
-                                      <p:cBhvr>
-                                        <p:cTn id="26" dur="1" fill="hold">
-                                          <p:stCondLst>
-                                            <p:cond delay="0"/>
-                                          </p:stCondLst>
-                                        </p:cTn>
-                                        <p:tgtEl>
-                                          <p:spTgt spid="4">
-                                            <p:txEl>
-                                              <p:pRg st="5" end="5"/>
-                                            </p:txEl>
-                                          </p:spTgt>
-                                        </p:tgtEl>
-                                        <p:attrNameLst>
-                                          <p:attrName>style.visibility</p:attrName>
-                                        </p:attrNameLst>
-                                      </p:cBhvr>
-                                      <p:to>
-                                        <p:strVal val="visible"/>
-                                      </p:to>
-                                    </p:set>
-                                  </p:childTnLst>
-                                </p:cTn>
-                              </p:par>
-                            </p:childTnLst>
-                          </p:cTn>
-                        </p:par>
-                      </p:childTnLst>
-                    </p:cTn>
-                  </p:par>
-                  <p:par>
-                    <p:cTn id="27" fill="hold">
-                      <p:stCondLst>
-                        <p:cond delay="indefinite"/>
-                      </p:stCondLst>
-                      <p:childTnLst>
-                        <p:par>
-                          <p:cTn id="28" fill="hold">
-                            <p:stCondLst>
-                              <p:cond delay="0"/>
-                            </p:stCondLst>
-                            <p:childTnLst>
-                              <p:par>
-                                <p:cTn id="29" presetClass="entr" fill="hold" grpId="1" nodeType="clickEffect">
-                                  <p:stCondLst>
-                                    <p:cond delay="0"/>
-                                  </p:stCondLst>
-                                  <p:childTnLst>
-                                    <p:set>
-                                      <p:cBhvr>
-                                        <p:cTn id="30" dur="1" fill="hold">
-                                          <p:stCondLst>
-                                            <p:cond delay="0"/>
-                                          </p:stCondLst>
-                                        </p:cTn>
-                                        <p:tgtEl>
-                                          <p:spTgt spid="4">
-                                            <p:txEl>
-                                              <p:pRg st="6" end="6"/>
-                                            </p:txEl>
-                                          </p:spTgt>
-                                        </p:tgtEl>
-                                        <p:attrNameLst>
-                                          <p:attrName>style.visibility</p:attrName>
-                                        </p:attrNameLst>
-                                      </p:cBhvr>
-                                      <p:to>
-                                        <p:strVal val="visible"/>
-                                      </p:to>
-                                    </p:set>
-                                  </p:childTnLst>
-                                </p:cTn>
-                              </p:par>
-                            </p:childTnLst>
-                          </p:cTn>
-                        </p:par>
-                      </p:childTnLst>
-                    </p:cTn>
-                  </p:par>
-                  <p:par>
-                    <p:cTn id="31" fill="hold">
-                      <p:stCondLst>
-                        <p:cond delay="indefinite"/>
-                      </p:stCondLst>
-                      <p:childTnLst>
-                        <p:par>
-                          <p:cTn id="32" fill="hold">
-                            <p:stCondLst>
-                              <p:cond delay="0"/>
-                            </p:stCondLst>
-                            <p:childTnLst>
-                              <p:par>
-                                <p:cTn id="33" presetClass="entr" fill="hold" grpId="1" nodeType="clickEffect">
-                                  <p:stCondLst>
-                                    <p:cond delay="0"/>
-                                  </p:stCondLst>
-                                  <p:childTnLst>
-                                    <p:set>
-                                      <p:cBhvr>
-                                        <p:cTn id="34" dur="1" fill="hold">
-                                          <p:stCondLst>
-                                            <p:cond delay="0"/>
-                                          </p:stCondLst>
-                                        </p:cTn>
-                                        <p:tgtEl>
-                                          <p:spTgt spid="4">
-                                            <p:txEl>
-                                              <p:pRg st="7" end="7"/>
-                                            </p:txEl>
-                                          </p:spTgt>
-                                        </p:tgtEl>
-                                        <p:attrNameLst>
-                                          <p:attrName>style.visibility</p:attrName>
-                                        </p:attrNameLst>
-                                      </p:cBhvr>
-                                      <p:to>
-                                        <p:strVal val="visible"/>
-                                      </p:to>
-                                    </p:set>
-                                  </p:childTnLst>
-                                </p:cTn>
-                              </p:par>
-                            </p:childTnLst>
-                          </p:cTn>
-                        </p:par>
-                      </p:childTnLst>
-                    </p:cTn>
-                  </p:par>
-                  <p:par>
-                    <p:cTn id="35" fill="hold">
-                      <p:stCondLst>
-                        <p:cond delay="indefinite"/>
-                      </p:stCondLst>
-                      <p:childTnLst>
-                        <p:par>
-                          <p:cTn id="36" fill="hold">
-                            <p:stCondLst>
-                              <p:cond delay="0"/>
-                            </p:stCondLst>
-                            <p:childTnLst>
-                              <p:par>
-                                <p:cTn id="37" presetClass="entr" fill="hold" grpId="1" nodeType="clickEffect">
-                                  <p:stCondLst>
-                                    <p:cond delay="0"/>
-                                  </p:stCondLst>
-                                  <p:childTnLst>
-                                    <p:set>
-                                      <p:cBhvr>
-                                        <p:cTn id="38" dur="1" fill="hold">
-                                          <p:stCondLst>
-                                            <p:cond delay="0"/>
-                                          </p:stCondLst>
-                                        </p:cTn>
-                                        <p:tgtEl>
-                                          <p:spTgt spid="4">
-                                            <p:txEl>
-                                              <p:pRg st="8" end="8"/>
-                                            </p:txEl>
-                                          </p:spTgt>
-                                        </p:tgtEl>
-                                        <p:attrNameLst>
-                                          <p:attrName>style.visibility</p:attrName>
-                                        </p:attrNameLst>
-                                      </p:cBhvr>
-                                      <p:to>
-                                        <p:strVal val="visible"/>
-                                      </p:to>
-                                    </p:set>
-                                  </p:childTnLst>
-                                </p:cTn>
-                              </p:par>
-                            </p:childTnLst>
-                          </p:cTn>
-                        </p:par>
-                      </p:childTnLst>
-                    </p:cTn>
-                  </p:par>
-                  <p:par>
-                    <p:cTn id="39" fill="hold">
-                      <p:stCondLst>
-                        <p:cond delay="indefinite"/>
-                      </p:stCondLst>
-                      <p:childTnLst>
-                        <p:par>
-                          <p:cTn id="40" fill="hold">
-                            <p:stCondLst>
-                              <p:cond delay="0"/>
-                            </p:stCondLst>
-                            <p:childTnLst>
-                              <p:par>
-                                <p:cTn id="41" presetClass="entr" fill="hold" grpId="1" nodeType="clickEffect">
-                                  <p:stCondLst>
-                                    <p:cond delay="0"/>
-                                  </p:stCondLst>
-                                  <p:childTnLst>
-                                    <p:set>
-                                      <p:cBhvr>
-                                        <p:cTn id="42" dur="1" fill="hold">
-                                          <p:stCondLst>
-                                            <p:cond delay="0"/>
-                                          </p:stCondLst>
-                                        </p:cTn>
-                                        <p:tgtEl>
-                                          <p:spTgt spid="4">
-                                            <p:txEl>
-                                              <p:pRg st="9" end="9"/>
-                                            </p:txEl>
-                                          </p:spTgt>
-                                        </p:tgtEl>
-                                        <p:attrNameLst>
-                                          <p:attrName>style.visibility</p:attrName>
-                                        </p:attrNameLst>
-                                      </p:cBhvr>
-                                      <p:to>
-                                        <p:strVal val="visible"/>
-                                      </p:to>
-                                    </p:set>
-                                  </p:childTnLst>
-                                </p:cTn>
-                              </p:par>
-                            </p:childTnLst>
-                          </p:cTn>
-                        </p:par>
-                      </p:childTnLst>
-                    </p:cTn>
-                  </p:par>
-                </p:childTnLst>
-              </p:cTn>
-              <p:prevCondLst>
-                <p:cond evt="onPrev" delay="0">
-                  <p:tgtEl>
-                    <p:sldTgt/>
-                  </p:tgtEl>
-                </p:cond>
-              </p:prevCondLst>
-              <p:nextCondLst>
-                <p:cond evt="onNext" delay="0">
-                  <p:tgtEl>
-                    <p:sldTgt/>
-                  </p:tgtEl>
-                </p:cond>
-              </p:nextCondLst>
-            </p:seq>
-          </p:childTnLst>
-        </p:cTn>
-      </p:par>
-    </p:tnLst>
-    <p:bldLst>
-      <p:bldP spid="4" grpId="1" build="p"/>
-    </p:bldLst>
-  </p:timing>
 </p:sld>
 </file>
 
@@ -35626,7 +35117,7 @@
                             </p:stCondLst>
                             <p:childTnLst>
                               <p:par>
-                                <p:cTn id="5" presetClass="entr" fill="hold" nodeType="clickEffect">
+                                <p:cTn id="5" presetID="1" presetClass="entr" presetSubtype="0" fill="hold" nodeType="clickEffect">
                                   <p:stCondLst>
                                     <p:cond delay="0"/>
                                   </p:stCondLst>
@@ -35641,7 +35132,7 @@
                                         <p:tgtEl>
                                           <p:spTgt spid="4">
                                             <p:txEl>
-                                              <p:pRg st="0" end="0"/>
+                                              <p:pRg st="3" end="3"/>
                                             </p:txEl>
                                           </p:spTgt>
                                         </p:tgtEl>
@@ -35657,7 +35148,7 @@
                                 </p:cTn>
                               </p:par>
                               <p:par>
-                                <p:cTn id="7" presetClass="entr" fill="hold" nodeType="withEffect">
+                                <p:cTn id="7" presetID="1" presetClass="entr" presetSubtype="0" fill="hold" nodeType="withEffect">
                                   <p:stCondLst>
                                     <p:cond delay="0"/>
                                   </p:stCondLst>
@@ -35688,7 +35179,7 @@
                                 </p:cTn>
                               </p:par>
                               <p:par>
-                                <p:cTn id="9" presetClass="entr" fill="hold" nodeType="withEffect">
+                                <p:cTn id="9" presetID="1" presetClass="entr" presetSubtype="0" fill="hold" nodeType="withEffect">
                                   <p:stCondLst>
                                     <p:cond delay="0"/>
                                   </p:stCondLst>
@@ -35704,6 +35195,68 @@
                                           <p:spTgt spid="4">
                                             <p:txEl>
                                               <p:pRg st="5" end="5"/>
+                                            </p:txEl>
+                                          </p:spTgt>
+                                        </p:tgtEl>
+                                        <p:attrNameLst>
+                                          <p:attrName>style.visibility</p:attrName>
+                                        </p:attrNameLst>
+                                      </p:cBhvr>
+                                      <p:to>
+                                        <p:strVal val="visible"/>
+                                      </p:to>
+                                    </p:set>
+                                  </p:childTnLst>
+                                </p:cTn>
+                              </p:par>
+                              <p:par>
+                                <p:cTn id="11" presetID="1" presetClass="entr" presetSubtype="0" fill="hold" nodeType="withEffect">
+                                  <p:stCondLst>
+                                    <p:cond delay="0"/>
+                                  </p:stCondLst>
+                                  <p:childTnLst>
+                                    <p:set>
+                                      <p:cBhvr>
+                                        <p:cTn id="12" dur="1" fill="hold">
+                                          <p:stCondLst>
+                                            <p:cond delay="0"/>
+                                          </p:stCondLst>
+                                        </p:cTn>
+                                        <p:tgtEl>
+                                          <p:spTgt spid="4">
+                                            <p:txEl>
+                                              <p:pRg st="6" end="6"/>
+                                            </p:txEl>
+                                          </p:spTgt>
+                                        </p:tgtEl>
+                                        <p:attrNameLst>
+                                          <p:attrName>style.visibility</p:attrName>
+                                        </p:attrNameLst>
+                                      </p:cBhvr>
+                                      <p:to>
+                                        <p:strVal val="visible"/>
+                                      </p:to>
+                                    </p:set>
+                                  </p:childTnLst>
+                                </p:cTn>
+                              </p:par>
+                              <p:par>
+                                <p:cTn id="13" presetID="1" presetClass="entr" presetSubtype="0" fill="hold" nodeType="withEffect">
+                                  <p:stCondLst>
+                                    <p:cond delay="0"/>
+                                  </p:stCondLst>
+                                  <p:childTnLst>
+                                    <p:set>
+                                      <p:cBhvr>
+                                        <p:cTn id="14" dur="1" fill="hold">
+                                          <p:stCondLst>
+                                            <p:cond delay="0"/>
+                                          </p:stCondLst>
+                                        </p:cTn>
+                                        <p:tgtEl>
+                                          <p:spTgt spid="4">
+                                            <p:txEl>
+                                              <p:pRg st="7" end="7"/>
                                             </p:txEl>
                                           </p:spTgt>
                                         </p:tgtEl>
@@ -38039,6 +37592,28 @@
                 <a:cs typeface="Liberation Sans" pitchFamily="34"/>
               </a:rPr>
               <a:t>בחר מראש קבוצה של </a:t>
+            </a:r>
+            <a:r>
+              <a:rPr lang="en-US" sz="4000" b="0" i="0" u="none" strike="noStrike" kern="1200" cap="none">
+                <a:ln>
+                  <a:noFill/>
+                </a:ln>
+                <a:latin typeface="Liberation Sans" pitchFamily="34"/>
+                <a:ea typeface="Noto Sans CJK SC Regular" pitchFamily="2"/>
+                <a:cs typeface="Liberation Sans" pitchFamily="34"/>
+              </a:rPr>
+              <a:t>k</a:t>
+            </a:r>
+            <a:r>
+              <a:rPr lang="he-IL" sz="4000" b="0" i="0" u="none" strike="noStrike" kern="1200" cap="none">
+                <a:ln>
+                  <a:noFill/>
+                </a:ln>
+                <a:latin typeface="Liberation Sans" pitchFamily="34"/>
+                <a:ea typeface="Noto Sans CJK SC Regular" pitchFamily="2"/>
+                <a:cs typeface="Liberation Sans" pitchFamily="34"/>
+              </a:rPr>
+              <a:t> </a:t>
             </a:r>
             <a:r>
               <a:rPr lang="he-IL" sz="4000" b="0" i="1" u="none" strike="noStrike" kern="1200" cap="none">
